--- a/inflearn05/doc/5.인증과 접근제어 기능을 구현합니다..pptx
+++ b/inflearn05/doc/5.인증과 접근제어 기능을 구현합니다..pptx
@@ -645,7 +645,7 @@
                 <a:latin typeface="맑은 고딕" panose="020B0503020000020004" pitchFamily="50" charset="-127"/>
                 <a:ea typeface="맑은 고딕" panose="020B0503020000020004" pitchFamily="50" charset="-127"/>
               </a:rPr>
-              <a:t>2021년 7월 15일</a:t>
+              <a:t>2021년 7월 16일</a:t>
             </a:fld>
             <a:endParaRPr lang="ko-KR" altLang="en-US">
               <a:latin typeface="맑은 고딕" panose="020B0503020000020004" pitchFamily="50" charset="-127"/>
@@ -831,7 +831,7 @@
             <a:fld id="{BE16EC8A-0758-4FA9-BF4D-3119057076D1}" type="datetime4">
               <a:rPr lang="ko-KR" altLang="en-US" smtClean="0"/>
               <a:pPr/>
-              <a:t>2021년 7월 15일</a:t>
+              <a:t>2021년 7월 16일</a:t>
             </a:fld>
             <a:endParaRPr lang="ko-KR" altLang="en-US"/>
           </a:p>
@@ -3407,7 +3407,7 @@
           <a:p>
             <a:fld id="{2A5B65E4-62A8-4988-B07B-5D6D443B14ED}" type="datetime4">
               <a:rPr lang="ko-KR" altLang="en-US" smtClean="0"/>
-              <a:t>2021년 7월 15일</a:t>
+              <a:t>2021년 7월 16일</a:t>
             </a:fld>
             <a:endParaRPr lang="ko-KR" altLang="en-US"/>
           </a:p>
@@ -3663,7 +3663,7 @@
           <a:p>
             <a:fld id="{58EB6286-0DE7-4336-9826-977AD102FCF2}" type="datetime4">
               <a:rPr lang="ko-KR" altLang="en-US" noProof="0" smtClean="0"/>
-              <a:t>2021년 7월 15일</a:t>
+              <a:t>2021년 7월 16일</a:t>
             </a:fld>
             <a:endParaRPr lang="ko-KR" altLang="en-US" noProof="0"/>
           </a:p>
@@ -3859,7 +3859,7 @@
             <a:pPr rtl="0"/>
             <a:fld id="{6A5419DA-7218-42E5-A443-F000500111E1}" type="datetime4">
               <a:rPr lang="ko-KR" altLang="en-US" noProof="0" smtClean="0"/>
-              <a:t>2021년 7월 15일</a:t>
+              <a:t>2021년 7월 16일</a:t>
             </a:fld>
             <a:endParaRPr lang="ko-KR" altLang="en-US" noProof="0"/>
           </a:p>
@@ -6260,7 +6260,7 @@
           <a:p>
             <a:fld id="{E498C52F-1DF1-4226-BAB6-C1E2EE4C9D62}" type="datetime4">
               <a:rPr lang="ko-KR" altLang="en-US" noProof="0" smtClean="0"/>
-              <a:t>2021년 7월 15일</a:t>
+              <a:t>2021년 7월 16일</a:t>
             </a:fld>
             <a:endParaRPr lang="ko-KR" altLang="en-US" noProof="0"/>
           </a:p>
@@ -6779,7 +6779,7 @@
           <a:p>
             <a:fld id="{7B1E1FFC-F755-4558-8D3C-A157D1A01A8A}" type="datetime4">
               <a:rPr lang="ko-KR" altLang="en-US" noProof="0" smtClean="0"/>
-              <a:t>2021년 7월 15일</a:t>
+              <a:t>2021년 7월 16일</a:t>
             </a:fld>
             <a:endParaRPr lang="ko-KR" altLang="en-US" noProof="0"/>
           </a:p>
@@ -6923,7 +6923,7 @@
             <a:pPr rtl="0"/>
             <a:fld id="{DA2A33C0-A4A8-4C90-B6DA-35B8CF58C816}" type="datetime4">
               <a:rPr lang="ko-KR" altLang="en-US" noProof="0" smtClean="0"/>
-              <a:t>2021년 7월 15일</a:t>
+              <a:t>2021년 7월 16일</a:t>
             </a:fld>
             <a:endParaRPr lang="ko-KR" altLang="en-US" noProof="0"/>
           </a:p>
@@ -8871,7 +8871,7 @@
           <a:p>
             <a:fld id="{53CB1B8F-A14A-4BE4-A9B9-3B263F04145C}" type="datetime4">
               <a:rPr lang="ko-KR" altLang="en-US" noProof="0" smtClean="0"/>
-              <a:t>2021년 7월 15일</a:t>
+              <a:t>2021년 7월 16일</a:t>
             </a:fld>
             <a:endParaRPr lang="ko-KR" altLang="en-US" noProof="0"/>
           </a:p>
@@ -11168,7 +11168,7 @@
           <a:p>
             <a:fld id="{5B9196A3-957C-4113-A568-B6ED9AEA3D01}" type="datetime4">
               <a:rPr lang="ko-KR" altLang="en-US" noProof="0" smtClean="0"/>
-              <a:t>2021년 7월 15일</a:t>
+              <a:t>2021년 7월 16일</a:t>
             </a:fld>
             <a:endParaRPr lang="ko-KR" altLang="en-US" noProof="0"/>
           </a:p>
@@ -15485,7 +15485,7 @@
           <a:p>
             <a:fld id="{28BEB146-D335-4DA5-9826-58595BCDBE2E}" type="datetime4">
               <a:rPr lang="ko-KR" altLang="en-US" noProof="0" smtClean="0"/>
-              <a:t>2021년 7월 15일</a:t>
+              <a:t>2021년 7월 16일</a:t>
             </a:fld>
             <a:endParaRPr lang="ko-KR" altLang="en-US" noProof="0"/>
           </a:p>
@@ -16928,18 +16928,9 @@
           <a:p>
             <a:pPr lvl="2"/>
             <a:r>
-              <a:rPr lang="ko-KR" altLang="en-US"/>
-              <a:t>접근통제모델인 </a:t>
-            </a:r>
-            <a:r>
               <a:rPr lang="en-US" altLang="ko-KR"/>
-              <a:t>RBAC </a:t>
-            </a:r>
-            <a:r>
-              <a:rPr lang="ko-KR" altLang="en-US"/>
-              <a:t>를 사용</a:t>
-            </a:r>
-            <a:endParaRPr lang="en-US" altLang="ko-KR" dirty="0"/>
+              <a:t>MasterController.checkUrlAuth(“callWrite”);</a:t>
+            </a:r>
           </a:p>
           <a:p>
             <a:pPr lvl="1"/>
@@ -17076,7 +17067,7 @@
             <a:pPr lvl="1"/>
             <a:r>
               <a:rPr lang="en-US" altLang="ko-KR"/>
-              <a:t>MasterController.UrlAuth(“callWrite”);</a:t>
+              <a:t>MasterController.checkUrlAuth(“callWrite”);</a:t>
             </a:r>
           </a:p>
         </p:txBody>
@@ -17199,8 +17190,51 @@
                   <a:srgbClr val="FF0000"/>
                 </a:solidFill>
               </a:rPr>
-              <a:t>로그인 시점에 </a:t>
-            </a:r>
+              <a:t>브라우저가 </a:t>
+            </a:r>
+            <a:r>
+              <a:rPr lang="en-US" altLang="ko-KR">
+                <a:solidFill>
+                  <a:srgbClr val="FF0000"/>
+                </a:solidFill>
+              </a:rPr>
+              <a:t>WAS </a:t>
+            </a:r>
+            <a:r>
+              <a:rPr lang="ko-KR" altLang="en-US">
+                <a:solidFill>
+                  <a:srgbClr val="FF0000"/>
+                </a:solidFill>
+              </a:rPr>
+              <a:t>에 처음 접속했을때 </a:t>
+            </a:r>
+            <a:r>
+              <a:rPr lang="en-US" altLang="ko-KR">
+                <a:solidFill>
+                  <a:srgbClr val="FF0000"/>
+                </a:solidFill>
+              </a:rPr>
+              <a:t>(JSSION_ID </a:t>
+            </a:r>
+            <a:r>
+              <a:rPr lang="ko-KR" altLang="en-US">
+                <a:solidFill>
+                  <a:srgbClr val="FF0000"/>
+                </a:solidFill>
+              </a:rPr>
+              <a:t>생성</a:t>
+            </a:r>
+            <a:r>
+              <a:rPr lang="en-US" altLang="ko-KR">
+                <a:solidFill>
+                  <a:srgbClr val="FF0000"/>
+                </a:solidFill>
+              </a:rPr>
+              <a:t>)</a:t>
+            </a:r>
+          </a:p>
+          <a:p>
+            <a:pPr lvl="1"/>
             <a:r>
               <a:rPr lang="en-US" altLang="ko-KR">
                 <a:solidFill>
@@ -17215,8 +17249,16 @@
                   <a:srgbClr val="FF0000"/>
                 </a:solidFill>
               </a:rPr>
-              <a:t>를 생성하고 세션에 저장하지 않음</a:t>
-            </a:r>
+              <a:t>객체를 생성하고 세션에 저장</a:t>
+            </a:r>
+            <a:endParaRPr lang="en-US" altLang="ko-KR">
+              <a:solidFill>
+                <a:srgbClr val="FF0000"/>
+              </a:solidFill>
+            </a:endParaRPr>
+          </a:p>
+          <a:p>
+            <a:pPr lvl="1"/>
             <a:endParaRPr lang="en-US" altLang="ko-KR" dirty="0">
               <a:solidFill>
                 <a:srgbClr val="FF0000"/>
@@ -17242,7 +17284,7 @@
         </p:nvSpPr>
         <p:spPr>
           <a:xfrm>
-            <a:off x="1660051" y="3207956"/>
+            <a:off x="1695080" y="3480182"/>
             <a:ext cx="1521525" cy="432843"/>
           </a:xfrm>
           <a:prstGeom prst="rect">
@@ -17292,7 +17334,7 @@
         </p:nvSpPr>
         <p:spPr>
           <a:xfrm>
-            <a:off x="5206480" y="3212118"/>
+            <a:off x="5241509" y="3484344"/>
             <a:ext cx="1521525" cy="432843"/>
           </a:xfrm>
           <a:prstGeom prst="rect">
@@ -17342,7 +17384,7 @@
         </p:nvCxnSpPr>
         <p:spPr>
           <a:xfrm>
-            <a:off x="2420814" y="3736204"/>
+            <a:off x="2455843" y="4008430"/>
             <a:ext cx="0" cy="2148065"/>
           </a:xfrm>
           <a:prstGeom prst="line">
@@ -17378,7 +17420,7 @@
         </p:nvCxnSpPr>
         <p:spPr>
           <a:xfrm>
-            <a:off x="6018737" y="3701918"/>
+            <a:off x="6053766" y="3974144"/>
             <a:ext cx="0" cy="2148065"/>
           </a:xfrm>
           <a:prstGeom prst="line">
@@ -17414,7 +17456,7 @@
         </p:nvCxnSpPr>
         <p:spPr>
           <a:xfrm>
-            <a:off x="2570788" y="4004115"/>
+            <a:off x="2605817" y="4276341"/>
             <a:ext cx="3329614" cy="0"/>
           </a:xfrm>
           <a:prstGeom prst="straightConnector1">
@@ -17453,7 +17495,7 @@
         </p:nvCxnSpPr>
         <p:spPr>
           <a:xfrm>
-            <a:off x="2570787" y="5290243"/>
+            <a:off x="2605816" y="5562469"/>
             <a:ext cx="3329614" cy="0"/>
           </a:xfrm>
           <a:prstGeom prst="straightConnector1">
@@ -17494,7 +17536,7 @@
         </p:nvCxnSpPr>
         <p:spPr>
           <a:xfrm flipH="1">
-            <a:off x="2570788" y="4613707"/>
+            <a:off x="2605817" y="4885933"/>
             <a:ext cx="3329613" cy="0"/>
           </a:xfrm>
           <a:prstGeom prst="straightConnector1">
@@ -17533,7 +17575,7 @@
         </p:nvSpPr>
         <p:spPr>
           <a:xfrm>
-            <a:off x="6167087" y="3862210"/>
+            <a:off x="6138235" y="4150416"/>
             <a:ext cx="1641796" cy="307777"/>
           </a:xfrm>
           <a:prstGeom prst="rect">
@@ -17572,7 +17614,7 @@
         </p:nvSpPr>
         <p:spPr>
           <a:xfrm>
-            <a:off x="6167087" y="4487139"/>
+            <a:off x="6103297" y="4731472"/>
             <a:ext cx="1641796" cy="307777"/>
           </a:xfrm>
           <a:prstGeom prst="rect">
@@ -17611,7 +17653,7 @@
         </p:nvSpPr>
         <p:spPr>
           <a:xfrm>
-            <a:off x="6167087" y="5112069"/>
+            <a:off x="6096000" y="5384295"/>
             <a:ext cx="1641796" cy="307777"/>
           </a:xfrm>
           <a:prstGeom prst="rect">
@@ -17650,7 +17692,7 @@
         </p:nvSpPr>
         <p:spPr>
           <a:xfrm>
-            <a:off x="797405" y="4858933"/>
+            <a:off x="1245870" y="5039249"/>
             <a:ext cx="1619142" cy="523220"/>
           </a:xfrm>
           <a:prstGeom prst="rect">
@@ -17689,7 +17731,7 @@
         </p:nvSpPr>
         <p:spPr>
           <a:xfrm>
-            <a:off x="8144160" y="3850226"/>
+            <a:off x="8179189" y="4122452"/>
             <a:ext cx="2717411" cy="307777"/>
           </a:xfrm>
           <a:prstGeom prst="rect">
@@ -17724,7 +17766,7 @@
         </p:nvSpPr>
         <p:spPr>
           <a:xfrm>
-            <a:off x="8144160" y="5112069"/>
+            <a:off x="8179189" y="5384295"/>
             <a:ext cx="2667718" cy="307777"/>
           </a:xfrm>
           <a:prstGeom prst="rect">

--- a/inflearn05/doc/5.인증과 접근제어 기능을 구현합니다..pptx
+++ b/inflearn05/doc/5.인증과 접근제어 기능을 구현합니다..pptx
@@ -645,7 +645,7 @@
                 <a:latin typeface="맑은 고딕" panose="020B0503020000020004" pitchFamily="50" charset="-127"/>
                 <a:ea typeface="맑은 고딕" panose="020B0503020000020004" pitchFamily="50" charset="-127"/>
               </a:rPr>
-              <a:t>2021년 7월 16일</a:t>
+              <a:t>2021년 7월 17일</a:t>
             </a:fld>
             <a:endParaRPr lang="ko-KR" altLang="en-US">
               <a:latin typeface="맑은 고딕" panose="020B0503020000020004" pitchFamily="50" charset="-127"/>
@@ -831,7 +831,7 @@
             <a:fld id="{BE16EC8A-0758-4FA9-BF4D-3119057076D1}" type="datetime4">
               <a:rPr lang="ko-KR" altLang="en-US" smtClean="0"/>
               <a:pPr/>
-              <a:t>2021년 7월 16일</a:t>
+              <a:t>2021년 7월 17일</a:t>
             </a:fld>
             <a:endParaRPr lang="ko-KR" altLang="en-US"/>
           </a:p>
@@ -3407,7 +3407,7 @@
           <a:p>
             <a:fld id="{2A5B65E4-62A8-4988-B07B-5D6D443B14ED}" type="datetime4">
               <a:rPr lang="ko-KR" altLang="en-US" smtClean="0"/>
-              <a:t>2021년 7월 16일</a:t>
+              <a:t>2021년 7월 17일</a:t>
             </a:fld>
             <a:endParaRPr lang="ko-KR" altLang="en-US"/>
           </a:p>
@@ -3663,7 +3663,7 @@
           <a:p>
             <a:fld id="{58EB6286-0DE7-4336-9826-977AD102FCF2}" type="datetime4">
               <a:rPr lang="ko-KR" altLang="en-US" noProof="0" smtClean="0"/>
-              <a:t>2021년 7월 16일</a:t>
+              <a:t>2021년 7월 17일</a:t>
             </a:fld>
             <a:endParaRPr lang="ko-KR" altLang="en-US" noProof="0"/>
           </a:p>
@@ -3859,7 +3859,7 @@
             <a:pPr rtl="0"/>
             <a:fld id="{6A5419DA-7218-42E5-A443-F000500111E1}" type="datetime4">
               <a:rPr lang="ko-KR" altLang="en-US" noProof="0" smtClean="0"/>
-              <a:t>2021년 7월 16일</a:t>
+              <a:t>2021년 7월 17일</a:t>
             </a:fld>
             <a:endParaRPr lang="ko-KR" altLang="en-US" noProof="0"/>
           </a:p>
@@ -6260,7 +6260,7 @@
           <a:p>
             <a:fld id="{E498C52F-1DF1-4226-BAB6-C1E2EE4C9D62}" type="datetime4">
               <a:rPr lang="ko-KR" altLang="en-US" noProof="0" smtClean="0"/>
-              <a:t>2021년 7월 16일</a:t>
+              <a:t>2021년 7월 17일</a:t>
             </a:fld>
             <a:endParaRPr lang="ko-KR" altLang="en-US" noProof="0"/>
           </a:p>
@@ -6779,7 +6779,7 @@
           <a:p>
             <a:fld id="{7B1E1FFC-F755-4558-8D3C-A157D1A01A8A}" type="datetime4">
               <a:rPr lang="ko-KR" altLang="en-US" noProof="0" smtClean="0"/>
-              <a:t>2021년 7월 16일</a:t>
+              <a:t>2021년 7월 17일</a:t>
             </a:fld>
             <a:endParaRPr lang="ko-KR" altLang="en-US" noProof="0"/>
           </a:p>
@@ -6923,7 +6923,7 @@
             <a:pPr rtl="0"/>
             <a:fld id="{DA2A33C0-A4A8-4C90-B6DA-35B8CF58C816}" type="datetime4">
               <a:rPr lang="ko-KR" altLang="en-US" noProof="0" smtClean="0"/>
-              <a:t>2021년 7월 16일</a:t>
+              <a:t>2021년 7월 17일</a:t>
             </a:fld>
             <a:endParaRPr lang="ko-KR" altLang="en-US" noProof="0"/>
           </a:p>
@@ -8871,7 +8871,7 @@
           <a:p>
             <a:fld id="{53CB1B8F-A14A-4BE4-A9B9-3B263F04145C}" type="datetime4">
               <a:rPr lang="ko-KR" altLang="en-US" noProof="0" smtClean="0"/>
-              <a:t>2021년 7월 16일</a:t>
+              <a:t>2021년 7월 17일</a:t>
             </a:fld>
             <a:endParaRPr lang="ko-KR" altLang="en-US" noProof="0"/>
           </a:p>
@@ -11168,7 +11168,7 @@
           <a:p>
             <a:fld id="{5B9196A3-957C-4113-A568-B6ED9AEA3D01}" type="datetime4">
               <a:rPr lang="ko-KR" altLang="en-US" noProof="0" smtClean="0"/>
-              <a:t>2021년 7월 16일</a:t>
+              <a:t>2021년 7월 17일</a:t>
             </a:fld>
             <a:endParaRPr lang="ko-KR" altLang="en-US" noProof="0"/>
           </a:p>
@@ -15485,7 +15485,7 @@
           <a:p>
             <a:fld id="{28BEB146-D335-4DA5-9826-58595BCDBE2E}" type="datetime4">
               <a:rPr lang="ko-KR" altLang="en-US" noProof="0" smtClean="0"/>
-              <a:t>2021년 7월 16일</a:t>
+              <a:t>2021년 7월 17일</a:t>
             </a:fld>
             <a:endParaRPr lang="ko-KR" altLang="en-US" noProof="0"/>
           </a:p>
@@ -16897,7 +16897,7 @@
             </a:r>
             <a:r>
               <a:rPr lang="ko-KR" altLang="en-US"/>
-              <a:t>로그을 안한 사용자도 사용</a:t>
+              <a:t>로그인을 하지 않은 사용자도 사용</a:t>
             </a:r>
             <a:endParaRPr lang="en-US" altLang="ko-KR"/>
           </a:p>

--- a/inflearn05/doc/5.인증과 접근제어 기능을 구현합니다..pptx
+++ b/inflearn05/doc/5.인증과 접근제어 기능을 구현합니다..pptx
@@ -5,10 +5,10 @@
     <p:sldMasterId id="2147483648" r:id="rId1"/>
   </p:sldMasterIdLst>
   <p:notesMasterIdLst>
-    <p:notesMasterId r:id="rId11"/>
+    <p:notesMasterId r:id="rId9"/>
   </p:notesMasterIdLst>
   <p:handoutMasterIdLst>
-    <p:handoutMasterId r:id="rId12"/>
+    <p:handoutMasterId r:id="rId10"/>
   </p:handoutMasterIdLst>
   <p:sldIdLst>
     <p:sldId id="261" r:id="rId2"/>
@@ -18,8 +18,6 @@
     <p:sldId id="287" r:id="rId6"/>
     <p:sldId id="288" r:id="rId7"/>
     <p:sldId id="292" r:id="rId8"/>
-    <p:sldId id="294" r:id="rId9"/>
-    <p:sldId id="293" r:id="rId10"/>
   </p:sldIdLst>
   <p:sldSz cx="12192000" cy="6858000"/>
   <p:notesSz cx="6858000" cy="9144000"/>
@@ -645,7 +643,7 @@
                 <a:latin typeface="맑은 고딕" panose="020B0503020000020004" pitchFamily="50" charset="-127"/>
                 <a:ea typeface="맑은 고딕" panose="020B0503020000020004" pitchFamily="50" charset="-127"/>
               </a:rPr>
-              <a:t>2021년 7월 17일</a:t>
+              <a:t>2021년 7월 27일</a:t>
             </a:fld>
             <a:endParaRPr lang="ko-KR" altLang="en-US">
               <a:latin typeface="맑은 고딕" panose="020B0503020000020004" pitchFamily="50" charset="-127"/>
@@ -831,7 +829,7 @@
             <a:fld id="{BE16EC8A-0758-4FA9-BF4D-3119057076D1}" type="datetime4">
               <a:rPr lang="ko-KR" altLang="en-US" smtClean="0"/>
               <a:pPr/>
-              <a:t>2021년 7월 17일</a:t>
+              <a:t>2021년 7월 27일</a:t>
             </a:fld>
             <a:endParaRPr lang="ko-KR" altLang="en-US"/>
           </a:p>
@@ -3407,7 +3405,7 @@
           <a:p>
             <a:fld id="{2A5B65E4-62A8-4988-B07B-5D6D443B14ED}" type="datetime4">
               <a:rPr lang="ko-KR" altLang="en-US" smtClean="0"/>
-              <a:t>2021년 7월 17일</a:t>
+              <a:t>2021년 7월 27일</a:t>
             </a:fld>
             <a:endParaRPr lang="ko-KR" altLang="en-US"/>
           </a:p>
@@ -3663,7 +3661,7 @@
           <a:p>
             <a:fld id="{58EB6286-0DE7-4336-9826-977AD102FCF2}" type="datetime4">
               <a:rPr lang="ko-KR" altLang="en-US" noProof="0" smtClean="0"/>
-              <a:t>2021년 7월 17일</a:t>
+              <a:t>2021년 7월 27일</a:t>
             </a:fld>
             <a:endParaRPr lang="ko-KR" altLang="en-US" noProof="0"/>
           </a:p>
@@ -3859,7 +3857,7 @@
             <a:pPr rtl="0"/>
             <a:fld id="{6A5419DA-7218-42E5-A443-F000500111E1}" type="datetime4">
               <a:rPr lang="ko-KR" altLang="en-US" noProof="0" smtClean="0"/>
-              <a:t>2021년 7월 17일</a:t>
+              <a:t>2021년 7월 27일</a:t>
             </a:fld>
             <a:endParaRPr lang="ko-KR" altLang="en-US" noProof="0"/>
           </a:p>
@@ -6260,7 +6258,7 @@
           <a:p>
             <a:fld id="{E498C52F-1DF1-4226-BAB6-C1E2EE4C9D62}" type="datetime4">
               <a:rPr lang="ko-KR" altLang="en-US" noProof="0" smtClean="0"/>
-              <a:t>2021년 7월 17일</a:t>
+              <a:t>2021년 7월 27일</a:t>
             </a:fld>
             <a:endParaRPr lang="ko-KR" altLang="en-US" noProof="0"/>
           </a:p>
@@ -6779,7 +6777,7 @@
           <a:p>
             <a:fld id="{7B1E1FFC-F755-4558-8D3C-A157D1A01A8A}" type="datetime4">
               <a:rPr lang="ko-KR" altLang="en-US" noProof="0" smtClean="0"/>
-              <a:t>2021년 7월 17일</a:t>
+              <a:t>2021년 7월 27일</a:t>
             </a:fld>
             <a:endParaRPr lang="ko-KR" altLang="en-US" noProof="0"/>
           </a:p>
@@ -6923,7 +6921,7 @@
             <a:pPr rtl="0"/>
             <a:fld id="{DA2A33C0-A4A8-4C90-B6DA-35B8CF58C816}" type="datetime4">
               <a:rPr lang="ko-KR" altLang="en-US" noProof="0" smtClean="0"/>
-              <a:t>2021년 7월 17일</a:t>
+              <a:t>2021년 7월 27일</a:t>
             </a:fld>
             <a:endParaRPr lang="ko-KR" altLang="en-US" noProof="0"/>
           </a:p>
@@ -8871,7 +8869,7 @@
           <a:p>
             <a:fld id="{53CB1B8F-A14A-4BE4-A9B9-3B263F04145C}" type="datetime4">
               <a:rPr lang="ko-KR" altLang="en-US" noProof="0" smtClean="0"/>
-              <a:t>2021년 7월 17일</a:t>
+              <a:t>2021년 7월 27일</a:t>
             </a:fld>
             <a:endParaRPr lang="ko-KR" altLang="en-US" noProof="0"/>
           </a:p>
@@ -11168,7 +11166,7 @@
           <a:p>
             <a:fld id="{5B9196A3-957C-4113-A568-B6ED9AEA3D01}" type="datetime4">
               <a:rPr lang="ko-KR" altLang="en-US" noProof="0" smtClean="0"/>
-              <a:t>2021년 7월 17일</a:t>
+              <a:t>2021년 7월 27일</a:t>
             </a:fld>
             <a:endParaRPr lang="ko-KR" altLang="en-US" noProof="0"/>
           </a:p>
@@ -15485,7 +15483,7 @@
           <a:p>
             <a:fld id="{28BEB146-D335-4DA5-9826-58595BCDBE2E}" type="datetime4">
               <a:rPr lang="ko-KR" altLang="en-US" noProof="0" smtClean="0"/>
-              <a:t>2021년 7월 17일</a:t>
+              <a:t>2021년 7월 27일</a:t>
             </a:fld>
             <a:endParaRPr lang="ko-KR" altLang="en-US" noProof="0"/>
           </a:p>
@@ -16136,7 +16134,7 @@
           <a:p>
             <a:r>
               <a:rPr lang="ko-KR" altLang="en-US"/>
-              <a:t>인증에 사용될 객체 개발</a:t>
+              <a:t>인증 기능 구현</a:t>
             </a:r>
             <a:endParaRPr lang="en-US" altLang="ko-KR" dirty="0"/>
           </a:p>
@@ -16155,7 +16153,7 @@
           <a:p>
             <a:r>
               <a:rPr lang="ko-KR" altLang="en-US"/>
-              <a:t>접근제어 정책 구현</a:t>
+              <a:t>접근제어 기능 구현</a:t>
             </a:r>
             <a:endParaRPr lang="en-US" altLang="ko-KR" dirty="0"/>
           </a:p>
@@ -16492,34 +16490,50 @@
             <a:pPr lvl="1"/>
             <a:r>
               <a:rPr lang="ko-KR" altLang="en-US"/>
-              <a:t>관리적 </a:t>
+              <a:t>관리적 보안</a:t>
             </a:r>
+            <a:endParaRPr lang="en-US" altLang="ko-KR"/>
+          </a:p>
+          <a:p>
+            <a:pPr lvl="2"/>
             <a:r>
-              <a:rPr lang="ko-KR" altLang="en-US" dirty="0"/>
-              <a:t>보안</a:t>
+              <a:rPr lang="ko-KR" altLang="en-US"/>
+              <a:t>정보보호서약서</a:t>
             </a:r>
             <a:endParaRPr lang="en-US" altLang="ko-KR" dirty="0"/>
           </a:p>
           <a:p>
             <a:pPr lvl="1"/>
             <a:r>
-              <a:rPr lang="ko-KR" altLang="en-US" dirty="0"/>
+              <a:rPr lang="ko-KR" altLang="en-US"/>
               <a:t>물리적 보안</a:t>
+            </a:r>
+            <a:endParaRPr lang="en-US" altLang="ko-KR"/>
+          </a:p>
+          <a:p>
+            <a:pPr lvl="2"/>
+            <a:r>
+              <a:rPr lang="ko-KR" altLang="en-US"/>
+              <a:t>출입카드</a:t>
+            </a:r>
+            <a:r>
+              <a:rPr lang="en-US" altLang="ko-KR"/>
+              <a:t>, CCTV</a:t>
             </a:r>
             <a:endParaRPr lang="en-US" altLang="ko-KR" dirty="0"/>
           </a:p>
           <a:p>
             <a:pPr lvl="1"/>
             <a:r>
-              <a:rPr lang="ko-KR" altLang="en-US" dirty="0"/>
+              <a:rPr lang="ko-KR" altLang="en-US"/>
               <a:t>기술적 보안</a:t>
             </a:r>
-            <a:endParaRPr lang="en-US" altLang="ko-KR" dirty="0"/>
+            <a:endParaRPr lang="en-US" altLang="ko-KR"/>
           </a:p>
           <a:p>
             <a:pPr lvl="2"/>
             <a:r>
-              <a:rPr lang="ko-KR" altLang="en-US" dirty="0"/>
+              <a:rPr lang="ko-KR" altLang="en-US"/>
               <a:t>인증</a:t>
             </a:r>
             <a:endParaRPr lang="en-US" altLang="ko-KR" dirty="0"/>
@@ -16527,7 +16541,7 @@
           <a:p>
             <a:pPr lvl="2"/>
             <a:r>
-              <a:rPr lang="ko-KR" altLang="en-US" dirty="0"/>
+              <a:rPr lang="ko-KR" altLang="en-US"/>
               <a:t>접근제어</a:t>
             </a:r>
             <a:endParaRPr lang="en-US" altLang="ko-KR" dirty="0"/>
@@ -17045,7 +17059,7 @@
           <a:p>
             <a:r>
               <a:rPr lang="ko-KR" altLang="en-US"/>
-              <a:t>인증에 사용될 객체 개발</a:t>
+              <a:t>인증 기능 구현</a:t>
             </a:r>
             <a:endParaRPr lang="en-US" altLang="ko-KR" dirty="0"/>
           </a:p>
@@ -17053,13 +17067,30 @@
             <a:pPr lvl="1"/>
             <a:r>
               <a:rPr lang="en-US" altLang="ko-KR"/>
-              <a:t>SessionB</a:t>
+              <a:t>SessionB </a:t>
             </a:r>
+            <a:r>
+              <a:rPr lang="ko-KR" altLang="en-US"/>
+              <a:t>객체 생성</a:t>
+            </a:r>
+            <a:endParaRPr lang="en-US" altLang="ko-KR"/>
+          </a:p>
+          <a:p>
+            <a:pPr lvl="1"/>
+            <a:r>
+              <a:rPr lang="en-US" altLang="ko-KR"/>
+              <a:t>SessionB </a:t>
+            </a:r>
+            <a:r>
+              <a:rPr lang="ko-KR" altLang="en-US"/>
+              <a:t>객체 세션에 저장</a:t>
+            </a:r>
+            <a:endParaRPr lang="en-US" altLang="ko-KR"/>
           </a:p>
           <a:p>
             <a:r>
               <a:rPr lang="ko-KR" altLang="en-US"/>
-              <a:t>접근제어 정책 구현</a:t>
+              <a:t>접근제어 기능 구현</a:t>
             </a:r>
             <a:endParaRPr lang="en-US" altLang="ko-KR" dirty="0"/>
           </a:p>
@@ -17076,1098 +17107,6 @@
     <p:extLst>
       <p:ext uri="{BB962C8B-B14F-4D97-AF65-F5344CB8AC3E}">
         <p14:creationId xmlns:p14="http://schemas.microsoft.com/office/powerpoint/2010/main" val="490558302"/>
-      </p:ext>
-    </p:extLst>
-  </p:cSld>
-  <p:clrMapOvr>
-    <a:masterClrMapping/>
-  </p:clrMapOvr>
-  <mc:AlternateContent xmlns:mc="http://schemas.openxmlformats.org/markup-compatibility/2006" xmlns:p14="http://schemas.microsoft.com/office/powerpoint/2010/main">
-    <mc:Choice Requires="p14">
-      <p:transition spd="med" p14:dur="700">
-        <p:fade/>
-      </p:transition>
-    </mc:Choice>
-    <mc:Fallback xmlns="">
-      <p:transition spd="med">
-        <p:fade/>
-      </p:transition>
-    </mc:Fallback>
-  </mc:AlternateContent>
-</p:sld>
-</file>
-
-<file path=ppt/slides/slide8.xml><?xml version="1.0" encoding="utf-8"?>
-<p:sld xmlns:a="http://schemas.openxmlformats.org/drawingml/2006/main" xmlns:r="http://schemas.openxmlformats.org/officeDocument/2006/relationships" xmlns:p="http://schemas.openxmlformats.org/presentationml/2006/main">
-  <p:cSld>
-    <p:spTree>
-      <p:nvGrpSpPr>
-        <p:cNvPr id="1" name=""/>
-        <p:cNvGrpSpPr/>
-        <p:nvPr/>
-      </p:nvGrpSpPr>
-      <p:grpSpPr>
-        <a:xfrm>
-          <a:off x="0" y="0"/>
-          <a:ext cx="0" cy="0"/>
-          <a:chOff x="0" y="0"/>
-          <a:chExt cx="0" cy="0"/>
-        </a:xfrm>
-      </p:grpSpPr>
-      <p:sp>
-        <p:nvSpPr>
-          <p:cNvPr id="2" name="제목 1">
-            <a:extLst>
-              <a:ext uri="{FF2B5EF4-FFF2-40B4-BE49-F238E27FC236}">
-                <a16:creationId xmlns:a16="http://schemas.microsoft.com/office/drawing/2014/main" id="{BA5D0597-4C5A-4BCD-822E-643F66B48745}"/>
-              </a:ext>
-            </a:extLst>
-          </p:cNvPr>
-          <p:cNvSpPr>
-            <a:spLocks noGrp="1"/>
-          </p:cNvSpPr>
-          <p:nvPr>
-            <p:ph type="title"/>
-          </p:nvPr>
-        </p:nvSpPr>
-        <p:spPr/>
-        <p:txBody>
-          <a:bodyPr>
-            <a:normAutofit/>
-          </a:bodyPr>
-          <a:lstStyle/>
-          <a:p>
-            <a:r>
-              <a:rPr lang="ko-KR" altLang="en-US"/>
-              <a:t>서버가 브라우저를 인증하는 과정</a:t>
-            </a:r>
-            <a:endParaRPr lang="ko-KR" altLang="en-US" dirty="0"/>
-          </a:p>
-        </p:txBody>
-      </p:sp>
-      <p:sp>
-        <p:nvSpPr>
-          <p:cNvPr id="3" name="내용 개체 틀 2">
-            <a:extLst>
-              <a:ext uri="{FF2B5EF4-FFF2-40B4-BE49-F238E27FC236}">
-                <a16:creationId xmlns:a16="http://schemas.microsoft.com/office/drawing/2014/main" id="{0C9231FF-28EB-4164-A188-3E920050747B}"/>
-              </a:ext>
-            </a:extLst>
-          </p:cNvPr>
-          <p:cNvSpPr>
-            <a:spLocks noGrp="1"/>
-          </p:cNvSpPr>
-          <p:nvPr>
-            <p:ph idx="1"/>
-          </p:nvPr>
-        </p:nvSpPr>
-        <p:spPr/>
-        <p:txBody>
-          <a:bodyPr>
-            <a:normAutofit/>
-          </a:bodyPr>
-          <a:lstStyle/>
-          <a:p>
-            <a:r>
-              <a:rPr lang="ko-KR" altLang="en-US"/>
-              <a:t>브라우저가 처음 </a:t>
-            </a:r>
-            <a:r>
-              <a:rPr lang="en-US" altLang="ko-KR"/>
-              <a:t>WAS </a:t>
-            </a:r>
-            <a:r>
-              <a:rPr lang="ko-KR" altLang="en-US"/>
-              <a:t>에 접속할때 사용자는 구분</a:t>
-            </a:r>
-            <a:endParaRPr lang="en-US" altLang="ko-KR"/>
-          </a:p>
-          <a:p>
-            <a:pPr lvl="1"/>
-            <a:r>
-              <a:rPr lang="ko-KR" altLang="en-US">
-                <a:solidFill>
-                  <a:srgbClr val="FF0000"/>
-                </a:solidFill>
-              </a:rPr>
-              <a:t>브라우저가 </a:t>
-            </a:r>
-            <a:r>
-              <a:rPr lang="en-US" altLang="ko-KR">
-                <a:solidFill>
-                  <a:srgbClr val="FF0000"/>
-                </a:solidFill>
-              </a:rPr>
-              <a:t>WAS </a:t>
-            </a:r>
-            <a:r>
-              <a:rPr lang="ko-KR" altLang="en-US">
-                <a:solidFill>
-                  <a:srgbClr val="FF0000"/>
-                </a:solidFill>
-              </a:rPr>
-              <a:t>에 처음 접속했을때 </a:t>
-            </a:r>
-            <a:r>
-              <a:rPr lang="en-US" altLang="ko-KR">
-                <a:solidFill>
-                  <a:srgbClr val="FF0000"/>
-                </a:solidFill>
-              </a:rPr>
-              <a:t>(JSSION_ID </a:t>
-            </a:r>
-            <a:r>
-              <a:rPr lang="ko-KR" altLang="en-US">
-                <a:solidFill>
-                  <a:srgbClr val="FF0000"/>
-                </a:solidFill>
-              </a:rPr>
-              <a:t>생성</a:t>
-            </a:r>
-            <a:r>
-              <a:rPr lang="en-US" altLang="ko-KR">
-                <a:solidFill>
-                  <a:srgbClr val="FF0000"/>
-                </a:solidFill>
-              </a:rPr>
-              <a:t>)</a:t>
-            </a:r>
-          </a:p>
-          <a:p>
-            <a:pPr lvl="1"/>
-            <a:r>
-              <a:rPr lang="en-US" altLang="ko-KR">
-                <a:solidFill>
-                  <a:srgbClr val="FF0000"/>
-                </a:solidFill>
-              </a:rPr>
-              <a:t>SessionB </a:t>
-            </a:r>
-            <a:r>
-              <a:rPr lang="ko-KR" altLang="en-US">
-                <a:solidFill>
-                  <a:srgbClr val="FF0000"/>
-                </a:solidFill>
-              </a:rPr>
-              <a:t>객체를 생성하고 세션에 저장</a:t>
-            </a:r>
-            <a:endParaRPr lang="en-US" altLang="ko-KR">
-              <a:solidFill>
-                <a:srgbClr val="FF0000"/>
-              </a:solidFill>
-            </a:endParaRPr>
-          </a:p>
-          <a:p>
-            <a:pPr lvl="1"/>
-            <a:endParaRPr lang="en-US" altLang="ko-KR" dirty="0">
-              <a:solidFill>
-                <a:srgbClr val="FF0000"/>
-              </a:solidFill>
-            </a:endParaRPr>
-          </a:p>
-          <a:p>
-            <a:endParaRPr lang="en-US" altLang="ko-KR" dirty="0"/>
-          </a:p>
-        </p:txBody>
-      </p:sp>
-      <p:sp>
-        <p:nvSpPr>
-          <p:cNvPr id="7" name="직사각형 6">
-            <a:extLst>
-              <a:ext uri="{FF2B5EF4-FFF2-40B4-BE49-F238E27FC236}">
-                <a16:creationId xmlns:a16="http://schemas.microsoft.com/office/drawing/2014/main" id="{8F08D6CC-0D7E-4C63-BBE3-482C75B4271C}"/>
-              </a:ext>
-            </a:extLst>
-          </p:cNvPr>
-          <p:cNvSpPr/>
-          <p:nvPr/>
-        </p:nvSpPr>
-        <p:spPr>
-          <a:xfrm>
-            <a:off x="1695080" y="3480182"/>
-            <a:ext cx="1521525" cy="432843"/>
-          </a:xfrm>
-          <a:prstGeom prst="rect">
-            <a:avLst/>
-          </a:prstGeom>
-        </p:spPr>
-        <p:style>
-          <a:lnRef idx="2">
-            <a:schemeClr val="dk1">
-              <a:shade val="50000"/>
-            </a:schemeClr>
-          </a:lnRef>
-          <a:fillRef idx="1">
-            <a:schemeClr val="dk1"/>
-          </a:fillRef>
-          <a:effectRef idx="0">
-            <a:schemeClr val="dk1"/>
-          </a:effectRef>
-          <a:fontRef idx="minor">
-            <a:schemeClr val="lt1"/>
-          </a:fontRef>
-        </p:style>
-        <p:txBody>
-          <a:bodyPr rtlCol="0" anchor="ctr"/>
-          <a:lstStyle/>
-          <a:p>
-            <a:pPr algn="ctr"/>
-            <a:r>
-              <a:rPr lang="ko-KR" altLang="en-US"/>
-              <a:t>브라우저</a:t>
-            </a:r>
-            <a:endParaRPr lang="en-US" altLang="ko-KR" dirty="0"/>
-          </a:p>
-        </p:txBody>
-      </p:sp>
-      <p:sp>
-        <p:nvSpPr>
-          <p:cNvPr id="8" name="직사각형 7">
-            <a:extLst>
-              <a:ext uri="{FF2B5EF4-FFF2-40B4-BE49-F238E27FC236}">
-                <a16:creationId xmlns:a16="http://schemas.microsoft.com/office/drawing/2014/main" id="{F13EB7A5-07E4-4E3A-A8BD-5487E5892387}"/>
-              </a:ext>
-            </a:extLst>
-          </p:cNvPr>
-          <p:cNvSpPr/>
-          <p:nvPr/>
-        </p:nvSpPr>
-        <p:spPr>
-          <a:xfrm>
-            <a:off x="5241509" y="3484344"/>
-            <a:ext cx="1521525" cy="432843"/>
-          </a:xfrm>
-          <a:prstGeom prst="rect">
-            <a:avLst/>
-          </a:prstGeom>
-        </p:spPr>
-        <p:style>
-          <a:lnRef idx="2">
-            <a:schemeClr val="dk1">
-              <a:shade val="50000"/>
-            </a:schemeClr>
-          </a:lnRef>
-          <a:fillRef idx="1">
-            <a:schemeClr val="dk1"/>
-          </a:fillRef>
-          <a:effectRef idx="0">
-            <a:schemeClr val="dk1"/>
-          </a:effectRef>
-          <a:fontRef idx="minor">
-            <a:schemeClr val="lt1"/>
-          </a:fontRef>
-        </p:style>
-        <p:txBody>
-          <a:bodyPr rtlCol="0" anchor="ctr"/>
-          <a:lstStyle/>
-          <a:p>
-            <a:pPr algn="ctr"/>
-            <a:r>
-              <a:rPr lang="en-US" altLang="ko-KR"/>
-              <a:t>WAS</a:t>
-            </a:r>
-            <a:endParaRPr lang="en-US" altLang="ko-KR" dirty="0"/>
-          </a:p>
-        </p:txBody>
-      </p:sp>
-      <p:cxnSp>
-        <p:nvCxnSpPr>
-          <p:cNvPr id="9" name="직선 연결선 8">
-            <a:extLst>
-              <a:ext uri="{FF2B5EF4-FFF2-40B4-BE49-F238E27FC236}">
-                <a16:creationId xmlns:a16="http://schemas.microsoft.com/office/drawing/2014/main" id="{5FEEA7C8-C242-4A79-B713-520F3007C04A}"/>
-              </a:ext>
-            </a:extLst>
-          </p:cNvPr>
-          <p:cNvCxnSpPr/>
-          <p:nvPr/>
-        </p:nvCxnSpPr>
-        <p:spPr>
-          <a:xfrm>
-            <a:off x="2455843" y="4008430"/>
-            <a:ext cx="0" cy="2148065"/>
-          </a:xfrm>
-          <a:prstGeom prst="line">
-            <a:avLst/>
-          </a:prstGeom>
-        </p:spPr>
-        <p:style>
-          <a:lnRef idx="3">
-            <a:schemeClr val="accent1"/>
-          </a:lnRef>
-          <a:fillRef idx="0">
-            <a:schemeClr val="accent1"/>
-          </a:fillRef>
-          <a:effectRef idx="2">
-            <a:schemeClr val="accent1"/>
-          </a:effectRef>
-          <a:fontRef idx="minor">
-            <a:schemeClr val="tx1"/>
-          </a:fontRef>
-        </p:style>
-      </p:cxnSp>
-      <p:cxnSp>
-        <p:nvCxnSpPr>
-          <p:cNvPr id="10" name="직선 연결선 9">
-            <a:extLst>
-              <a:ext uri="{FF2B5EF4-FFF2-40B4-BE49-F238E27FC236}">
-                <a16:creationId xmlns:a16="http://schemas.microsoft.com/office/drawing/2014/main" id="{49903333-8C47-4160-8116-DACC2F37C4D6}"/>
-              </a:ext>
-            </a:extLst>
-          </p:cNvPr>
-          <p:cNvCxnSpPr/>
-          <p:nvPr/>
-        </p:nvCxnSpPr>
-        <p:spPr>
-          <a:xfrm>
-            <a:off x="6053766" y="3974144"/>
-            <a:ext cx="0" cy="2148065"/>
-          </a:xfrm>
-          <a:prstGeom prst="line">
-            <a:avLst/>
-          </a:prstGeom>
-        </p:spPr>
-        <p:style>
-          <a:lnRef idx="3">
-            <a:schemeClr val="accent1"/>
-          </a:lnRef>
-          <a:fillRef idx="0">
-            <a:schemeClr val="accent1"/>
-          </a:fillRef>
-          <a:effectRef idx="2">
-            <a:schemeClr val="accent1"/>
-          </a:effectRef>
-          <a:fontRef idx="minor">
-            <a:schemeClr val="tx1"/>
-          </a:fontRef>
-        </p:style>
-      </p:cxnSp>
-      <p:cxnSp>
-        <p:nvCxnSpPr>
-          <p:cNvPr id="11" name="직선 화살표 연결선 10">
-            <a:extLst>
-              <a:ext uri="{FF2B5EF4-FFF2-40B4-BE49-F238E27FC236}">
-                <a16:creationId xmlns:a16="http://schemas.microsoft.com/office/drawing/2014/main" id="{76CA2EF5-2CCD-4304-B42A-94F8DD0ED3B7}"/>
-              </a:ext>
-            </a:extLst>
-          </p:cNvPr>
-          <p:cNvCxnSpPr/>
-          <p:nvPr/>
-        </p:nvCxnSpPr>
-        <p:spPr>
-          <a:xfrm>
-            <a:off x="2605817" y="4276341"/>
-            <a:ext cx="3329614" cy="0"/>
-          </a:xfrm>
-          <a:prstGeom prst="straightConnector1">
-            <a:avLst/>
-          </a:prstGeom>
-          <a:ln>
-            <a:tailEnd type="triangle"/>
-          </a:ln>
-        </p:spPr>
-        <p:style>
-          <a:lnRef idx="3">
-            <a:schemeClr val="dk1"/>
-          </a:lnRef>
-          <a:fillRef idx="0">
-            <a:schemeClr val="dk1"/>
-          </a:fillRef>
-          <a:effectRef idx="2">
-            <a:schemeClr val="dk1"/>
-          </a:effectRef>
-          <a:fontRef idx="minor">
-            <a:schemeClr val="tx1"/>
-          </a:fontRef>
-        </p:style>
-      </p:cxnSp>
-      <p:cxnSp>
-        <p:nvCxnSpPr>
-          <p:cNvPr id="12" name="직선 화살표 연결선 11">
-            <a:extLst>
-              <a:ext uri="{FF2B5EF4-FFF2-40B4-BE49-F238E27FC236}">
-                <a16:creationId xmlns:a16="http://schemas.microsoft.com/office/drawing/2014/main" id="{2C502214-0352-4CAC-BA68-103EE45C8BF1}"/>
-              </a:ext>
-            </a:extLst>
-          </p:cNvPr>
-          <p:cNvCxnSpPr/>
-          <p:nvPr/>
-        </p:nvCxnSpPr>
-        <p:spPr>
-          <a:xfrm>
-            <a:off x="2605816" y="5562469"/>
-            <a:ext cx="3329614" cy="0"/>
-          </a:xfrm>
-          <a:prstGeom prst="straightConnector1">
-            <a:avLst/>
-          </a:prstGeom>
-          <a:ln>
-            <a:tailEnd type="triangle"/>
-          </a:ln>
-        </p:spPr>
-        <p:style>
-          <a:lnRef idx="3">
-            <a:schemeClr val="dk1"/>
-          </a:lnRef>
-          <a:fillRef idx="0">
-            <a:schemeClr val="dk1"/>
-          </a:fillRef>
-          <a:effectRef idx="2">
-            <a:schemeClr val="dk1"/>
-          </a:effectRef>
-          <a:fontRef idx="minor">
-            <a:schemeClr val="tx1"/>
-          </a:fontRef>
-        </p:style>
-      </p:cxnSp>
-      <p:cxnSp>
-        <p:nvCxnSpPr>
-          <p:cNvPr id="13" name="직선 화살표 연결선 12">
-            <a:extLst>
-              <a:ext uri="{FF2B5EF4-FFF2-40B4-BE49-F238E27FC236}">
-                <a16:creationId xmlns:a16="http://schemas.microsoft.com/office/drawing/2014/main" id="{AC85C143-761E-435C-8737-0DE1DBB01B34}"/>
-              </a:ext>
-            </a:extLst>
-          </p:cNvPr>
-          <p:cNvCxnSpPr>
-            <a:cxnSpLocks/>
-          </p:cNvCxnSpPr>
-          <p:nvPr/>
-        </p:nvCxnSpPr>
-        <p:spPr>
-          <a:xfrm flipH="1">
-            <a:off x="2605817" y="4885933"/>
-            <a:ext cx="3329613" cy="0"/>
-          </a:xfrm>
-          <a:prstGeom prst="straightConnector1">
-            <a:avLst/>
-          </a:prstGeom>
-          <a:ln>
-            <a:tailEnd type="triangle"/>
-          </a:ln>
-        </p:spPr>
-        <p:style>
-          <a:lnRef idx="3">
-            <a:schemeClr val="dk1"/>
-          </a:lnRef>
-          <a:fillRef idx="0">
-            <a:schemeClr val="dk1"/>
-          </a:fillRef>
-          <a:effectRef idx="2">
-            <a:schemeClr val="dk1"/>
-          </a:effectRef>
-          <a:fontRef idx="minor">
-            <a:schemeClr val="tx1"/>
-          </a:fontRef>
-        </p:style>
-      </p:cxnSp>
-      <p:sp>
-        <p:nvSpPr>
-          <p:cNvPr id="14" name="TextBox 13">
-            <a:extLst>
-              <a:ext uri="{FF2B5EF4-FFF2-40B4-BE49-F238E27FC236}">
-                <a16:creationId xmlns:a16="http://schemas.microsoft.com/office/drawing/2014/main" id="{799F4900-6962-4D44-AF52-035F3AAC253D}"/>
-              </a:ext>
-            </a:extLst>
-          </p:cNvPr>
-          <p:cNvSpPr txBox="1"/>
-          <p:nvPr/>
-        </p:nvSpPr>
-        <p:spPr>
-          <a:xfrm>
-            <a:off x="6138235" y="4150416"/>
-            <a:ext cx="1641796" cy="307777"/>
-          </a:xfrm>
-          <a:prstGeom prst="rect">
-            <a:avLst/>
-          </a:prstGeom>
-          <a:noFill/>
-        </p:spPr>
-        <p:txBody>
-          <a:bodyPr wrap="none" rtlCol="0">
-            <a:spAutoFit/>
-          </a:bodyPr>
-          <a:lstStyle/>
-          <a:p>
-            <a:r>
-              <a:rPr lang="en-US" altLang="ko-KR" sz="1400"/>
-              <a:t>JESSION_ID </a:t>
-            </a:r>
-            <a:r>
-              <a:rPr lang="ko-KR" altLang="en-US" sz="1400"/>
-              <a:t>생성</a:t>
-            </a:r>
-          </a:p>
-        </p:txBody>
-      </p:sp>
-      <p:sp>
-        <p:nvSpPr>
-          <p:cNvPr id="15" name="TextBox 14">
-            <a:extLst>
-              <a:ext uri="{FF2B5EF4-FFF2-40B4-BE49-F238E27FC236}">
-                <a16:creationId xmlns:a16="http://schemas.microsoft.com/office/drawing/2014/main" id="{CFB77DD9-D861-441B-96AF-5AA8D74C37CC}"/>
-              </a:ext>
-            </a:extLst>
-          </p:cNvPr>
-          <p:cNvSpPr txBox="1"/>
-          <p:nvPr/>
-        </p:nvSpPr>
-        <p:spPr>
-          <a:xfrm>
-            <a:off x="6103297" y="4731472"/>
-            <a:ext cx="1641796" cy="307777"/>
-          </a:xfrm>
-          <a:prstGeom prst="rect">
-            <a:avLst/>
-          </a:prstGeom>
-          <a:noFill/>
-        </p:spPr>
-        <p:txBody>
-          <a:bodyPr wrap="none" rtlCol="0">
-            <a:spAutoFit/>
-          </a:bodyPr>
-          <a:lstStyle/>
-          <a:p>
-            <a:r>
-              <a:rPr lang="en-US" altLang="ko-KR" sz="1400"/>
-              <a:t>JESSION_ID </a:t>
-            </a:r>
-            <a:r>
-              <a:rPr lang="ko-KR" altLang="en-US" sz="1400"/>
-              <a:t>전달</a:t>
-            </a:r>
-          </a:p>
-        </p:txBody>
-      </p:sp>
-      <p:sp>
-        <p:nvSpPr>
-          <p:cNvPr id="16" name="TextBox 15">
-            <a:extLst>
-              <a:ext uri="{FF2B5EF4-FFF2-40B4-BE49-F238E27FC236}">
-                <a16:creationId xmlns:a16="http://schemas.microsoft.com/office/drawing/2014/main" id="{061005CA-D6A2-41B8-87FD-AD6C7B4B67D6}"/>
-              </a:ext>
-            </a:extLst>
-          </p:cNvPr>
-          <p:cNvSpPr txBox="1"/>
-          <p:nvPr/>
-        </p:nvSpPr>
-        <p:spPr>
-          <a:xfrm>
-            <a:off x="6096000" y="5384295"/>
-            <a:ext cx="1641796" cy="307777"/>
-          </a:xfrm>
-          <a:prstGeom prst="rect">
-            <a:avLst/>
-          </a:prstGeom>
-          <a:noFill/>
-        </p:spPr>
-        <p:txBody>
-          <a:bodyPr wrap="none" rtlCol="0">
-            <a:spAutoFit/>
-          </a:bodyPr>
-          <a:lstStyle/>
-          <a:p>
-            <a:r>
-              <a:rPr lang="en-US" altLang="ko-KR" sz="1400"/>
-              <a:t>JESSION_ID </a:t>
-            </a:r>
-            <a:r>
-              <a:rPr lang="ko-KR" altLang="en-US" sz="1400"/>
-              <a:t>확인</a:t>
-            </a:r>
-          </a:p>
-        </p:txBody>
-      </p:sp>
-      <p:sp>
-        <p:nvSpPr>
-          <p:cNvPr id="17" name="TextBox 16">
-            <a:extLst>
-              <a:ext uri="{FF2B5EF4-FFF2-40B4-BE49-F238E27FC236}">
-                <a16:creationId xmlns:a16="http://schemas.microsoft.com/office/drawing/2014/main" id="{A6F722B2-E146-4479-B36D-FF6DA39F1FB8}"/>
-              </a:ext>
-            </a:extLst>
-          </p:cNvPr>
-          <p:cNvSpPr txBox="1"/>
-          <p:nvPr/>
-        </p:nvSpPr>
-        <p:spPr>
-          <a:xfrm>
-            <a:off x="1245870" y="5039249"/>
-            <a:ext cx="1619142" cy="523220"/>
-          </a:xfrm>
-          <a:prstGeom prst="rect">
-            <a:avLst/>
-          </a:prstGeom>
-          <a:noFill/>
-        </p:spPr>
-        <p:txBody>
-          <a:bodyPr wrap="square" rtlCol="0">
-            <a:spAutoFit/>
-          </a:bodyPr>
-          <a:lstStyle/>
-          <a:p>
-            <a:r>
-              <a:rPr lang="en-US" altLang="ko-KR" sz="1400"/>
-              <a:t>JESSION_ID </a:t>
-            </a:r>
-            <a:r>
-              <a:rPr lang="ko-KR" altLang="en-US" sz="1400"/>
-              <a:t>저장</a:t>
-            </a:r>
-          </a:p>
-        </p:txBody>
-      </p:sp>
-      <p:sp>
-        <p:nvSpPr>
-          <p:cNvPr id="18" name="TextBox 17">
-            <a:extLst>
-              <a:ext uri="{FF2B5EF4-FFF2-40B4-BE49-F238E27FC236}">
-                <a16:creationId xmlns:a16="http://schemas.microsoft.com/office/drawing/2014/main" id="{D4F274FD-C0BD-4CA2-88D1-CB54BF373F44}"/>
-              </a:ext>
-            </a:extLst>
-          </p:cNvPr>
-          <p:cNvSpPr txBox="1"/>
-          <p:nvPr/>
-        </p:nvSpPr>
-        <p:spPr>
-          <a:xfrm>
-            <a:off x="8179189" y="4122452"/>
-            <a:ext cx="2717411" cy="307777"/>
-          </a:xfrm>
-          <a:prstGeom prst="rect">
-            <a:avLst/>
-          </a:prstGeom>
-          <a:noFill/>
-        </p:spPr>
-        <p:txBody>
-          <a:bodyPr wrap="none" rtlCol="0">
-            <a:spAutoFit/>
-          </a:bodyPr>
-          <a:lstStyle/>
-          <a:p>
-            <a:r>
-              <a:rPr lang="ko-KR" altLang="en-US" sz="1400"/>
-              <a:t>인증객체를 생성 후 세션에 저장</a:t>
-            </a:r>
-          </a:p>
-        </p:txBody>
-      </p:sp>
-      <p:sp>
-        <p:nvSpPr>
-          <p:cNvPr id="19" name="TextBox 18">
-            <a:extLst>
-              <a:ext uri="{FF2B5EF4-FFF2-40B4-BE49-F238E27FC236}">
-                <a16:creationId xmlns:a16="http://schemas.microsoft.com/office/drawing/2014/main" id="{91DB626C-910C-4E62-8795-7AFB432AB5F6}"/>
-              </a:ext>
-            </a:extLst>
-          </p:cNvPr>
-          <p:cNvSpPr txBox="1"/>
-          <p:nvPr/>
-        </p:nvSpPr>
-        <p:spPr>
-          <a:xfrm>
-            <a:off x="8179189" y="5384295"/>
-            <a:ext cx="2667718" cy="307777"/>
-          </a:xfrm>
-          <a:prstGeom prst="rect">
-            <a:avLst/>
-          </a:prstGeom>
-          <a:noFill/>
-        </p:spPr>
-        <p:txBody>
-          <a:bodyPr wrap="none" rtlCol="0">
-            <a:spAutoFit/>
-          </a:bodyPr>
-          <a:lstStyle/>
-          <a:p>
-            <a:r>
-              <a:rPr lang="ko-KR" altLang="en-US" sz="1400"/>
-              <a:t>세션영역에 있는 인증객체 사용</a:t>
-            </a:r>
-          </a:p>
-        </p:txBody>
-      </p:sp>
-    </p:spTree>
-    <p:extLst>
-      <p:ext uri="{BB962C8B-B14F-4D97-AF65-F5344CB8AC3E}">
-        <p14:creationId xmlns:p14="http://schemas.microsoft.com/office/powerpoint/2010/main" val="1222898851"/>
-      </p:ext>
-    </p:extLst>
-  </p:cSld>
-  <p:clrMapOvr>
-    <a:masterClrMapping/>
-  </p:clrMapOvr>
-  <mc:AlternateContent xmlns:mc="http://schemas.openxmlformats.org/markup-compatibility/2006" xmlns:p14="http://schemas.microsoft.com/office/powerpoint/2010/main">
-    <mc:Choice Requires="p14">
-      <p:transition spd="med" p14:dur="700">
-        <p:fade/>
-      </p:transition>
-    </mc:Choice>
-    <mc:Fallback xmlns="">
-      <p:transition spd="med">
-        <p:fade/>
-      </p:transition>
-    </mc:Fallback>
-  </mc:AlternateContent>
-</p:sld>
-</file>
-
-<file path=ppt/slides/slide9.xml><?xml version="1.0" encoding="utf-8"?>
-<p:sld xmlns:a="http://schemas.openxmlformats.org/drawingml/2006/main" xmlns:r="http://schemas.openxmlformats.org/officeDocument/2006/relationships" xmlns:p="http://schemas.openxmlformats.org/presentationml/2006/main">
-  <p:cSld>
-    <p:spTree>
-      <p:nvGrpSpPr>
-        <p:cNvPr id="1" name=""/>
-        <p:cNvGrpSpPr/>
-        <p:nvPr/>
-      </p:nvGrpSpPr>
-      <p:grpSpPr>
-        <a:xfrm>
-          <a:off x="0" y="0"/>
-          <a:ext cx="0" cy="0"/>
-          <a:chOff x="0" y="0"/>
-          <a:chExt cx="0" cy="0"/>
-        </a:xfrm>
-      </p:grpSpPr>
-      <p:sp>
-        <p:nvSpPr>
-          <p:cNvPr id="2" name="제목 1">
-            <a:extLst>
-              <a:ext uri="{FF2B5EF4-FFF2-40B4-BE49-F238E27FC236}">
-                <a16:creationId xmlns:a16="http://schemas.microsoft.com/office/drawing/2014/main" id="{BA5D0597-4C5A-4BCD-822E-643F66B48745}"/>
-              </a:ext>
-            </a:extLst>
-          </p:cNvPr>
-          <p:cNvSpPr>
-            <a:spLocks noGrp="1"/>
-          </p:cNvSpPr>
-          <p:nvPr>
-            <p:ph type="title"/>
-          </p:nvPr>
-        </p:nvSpPr>
-        <p:spPr/>
-        <p:txBody>
-          <a:bodyPr>
-            <a:normAutofit/>
-          </a:bodyPr>
-          <a:lstStyle/>
-          <a:p>
-            <a:r>
-              <a:rPr lang="en-US" altLang="ko-KR" dirty="0" err="1"/>
-              <a:t>SessionB</a:t>
-            </a:r>
-            <a:r>
-              <a:rPr lang="en-US" altLang="ko-KR" dirty="0"/>
-              <a:t> </a:t>
-            </a:r>
-            <a:r>
-              <a:rPr lang="ko-KR" altLang="en-US" dirty="0"/>
-              <a:t>객체가 세션에 저장되는 과정</a:t>
-            </a:r>
-          </a:p>
-        </p:txBody>
-      </p:sp>
-      <p:sp>
-        <p:nvSpPr>
-          <p:cNvPr id="5" name="직사각형 4">
-            <a:extLst>
-              <a:ext uri="{FF2B5EF4-FFF2-40B4-BE49-F238E27FC236}">
-                <a16:creationId xmlns:a16="http://schemas.microsoft.com/office/drawing/2014/main" id="{7097D2F4-AF42-4CD3-B0F1-C28657B13665}"/>
-              </a:ext>
-            </a:extLst>
-          </p:cNvPr>
-          <p:cNvSpPr/>
-          <p:nvPr/>
-        </p:nvSpPr>
-        <p:spPr>
-          <a:xfrm>
-            <a:off x="1362827" y="2105092"/>
-            <a:ext cx="1932960" cy="631530"/>
-          </a:xfrm>
-          <a:prstGeom prst="rect">
-            <a:avLst/>
-          </a:prstGeom>
-        </p:spPr>
-        <p:style>
-          <a:lnRef idx="2">
-            <a:schemeClr val="dk1">
-              <a:shade val="50000"/>
-            </a:schemeClr>
-          </a:lnRef>
-          <a:fillRef idx="1">
-            <a:schemeClr val="dk1"/>
-          </a:fillRef>
-          <a:effectRef idx="0">
-            <a:schemeClr val="dk1"/>
-          </a:effectRef>
-          <a:fontRef idx="minor">
-            <a:schemeClr val="lt1"/>
-          </a:fontRef>
-        </p:style>
-        <p:txBody>
-          <a:bodyPr rtlCol="0" anchor="ctr"/>
-          <a:lstStyle/>
-          <a:p>
-            <a:pPr algn="ctr"/>
-            <a:r>
-              <a:rPr lang="ko-KR" altLang="en-US" dirty="0"/>
-              <a:t>쿠키</a:t>
-            </a:r>
-            <a:endParaRPr lang="en-US" altLang="ko-KR" dirty="0"/>
-          </a:p>
-          <a:p>
-            <a:pPr algn="ctr"/>
-            <a:r>
-              <a:rPr lang="en-US" altLang="ko-KR" dirty="0"/>
-              <a:t>JSESSIONID</a:t>
-            </a:r>
-          </a:p>
-        </p:txBody>
-      </p:sp>
-      <p:sp>
-        <p:nvSpPr>
-          <p:cNvPr id="6" name="직사각형 5">
-            <a:extLst>
-              <a:ext uri="{FF2B5EF4-FFF2-40B4-BE49-F238E27FC236}">
-                <a16:creationId xmlns:a16="http://schemas.microsoft.com/office/drawing/2014/main" id="{5C3B0EBE-1EC0-48BE-9586-A1BC38B8CD75}"/>
-              </a:ext>
-            </a:extLst>
-          </p:cNvPr>
-          <p:cNvSpPr/>
-          <p:nvPr/>
-        </p:nvSpPr>
-        <p:spPr>
-          <a:xfrm>
-            <a:off x="2329307" y="2965254"/>
-            <a:ext cx="1932960" cy="631530"/>
-          </a:xfrm>
-          <a:prstGeom prst="rect">
-            <a:avLst/>
-          </a:prstGeom>
-        </p:spPr>
-        <p:style>
-          <a:lnRef idx="2">
-            <a:schemeClr val="dk1">
-              <a:shade val="50000"/>
-            </a:schemeClr>
-          </a:lnRef>
-          <a:fillRef idx="1">
-            <a:schemeClr val="dk1"/>
-          </a:fillRef>
-          <a:effectRef idx="0">
-            <a:schemeClr val="dk1"/>
-          </a:effectRef>
-          <a:fontRef idx="minor">
-            <a:schemeClr val="lt1"/>
-          </a:fontRef>
-        </p:style>
-        <p:txBody>
-          <a:bodyPr rtlCol="0" anchor="ctr"/>
-          <a:lstStyle/>
-          <a:p>
-            <a:pPr algn="ctr"/>
-            <a:r>
-              <a:rPr lang="en-US" altLang="ko-KR" dirty="0" err="1"/>
-              <a:t>SessionB</a:t>
-            </a:r>
-            <a:endParaRPr lang="en-US" altLang="ko-KR" dirty="0"/>
-          </a:p>
-        </p:txBody>
-      </p:sp>
-      <p:sp>
-        <p:nvSpPr>
-          <p:cNvPr id="7" name="직사각형 6">
-            <a:extLst>
-              <a:ext uri="{FF2B5EF4-FFF2-40B4-BE49-F238E27FC236}">
-                <a16:creationId xmlns:a16="http://schemas.microsoft.com/office/drawing/2014/main" id="{D92D608C-33B4-4399-A294-E10A28D63948}"/>
-              </a:ext>
-            </a:extLst>
-          </p:cNvPr>
-          <p:cNvSpPr/>
-          <p:nvPr/>
-        </p:nvSpPr>
-        <p:spPr>
-          <a:xfrm>
-            <a:off x="3295787" y="3776054"/>
-            <a:ext cx="1932960" cy="631530"/>
-          </a:xfrm>
-          <a:prstGeom prst="rect">
-            <a:avLst/>
-          </a:prstGeom>
-        </p:spPr>
-        <p:style>
-          <a:lnRef idx="2">
-            <a:schemeClr val="dk1">
-              <a:shade val="50000"/>
-            </a:schemeClr>
-          </a:lnRef>
-          <a:fillRef idx="1">
-            <a:schemeClr val="dk1"/>
-          </a:fillRef>
-          <a:effectRef idx="0">
-            <a:schemeClr val="dk1"/>
-          </a:effectRef>
-          <a:fontRef idx="minor">
-            <a:schemeClr val="lt1"/>
-          </a:fontRef>
-        </p:style>
-        <p:txBody>
-          <a:bodyPr rtlCol="0" anchor="ctr"/>
-          <a:lstStyle/>
-          <a:p>
-            <a:pPr algn="ctr"/>
-            <a:r>
-              <a:rPr lang="ko-KR" altLang="en-US" dirty="0"/>
-              <a:t>페이지</a:t>
-            </a:r>
-            <a:endParaRPr lang="en-US" altLang="ko-KR" dirty="0"/>
-          </a:p>
-          <a:p>
-            <a:pPr algn="ctr"/>
-            <a:r>
-              <a:rPr lang="en-US" altLang="ko-KR" dirty="0"/>
-              <a:t>(</a:t>
-            </a:r>
-            <a:r>
-              <a:rPr lang="ko-KR" altLang="en-US" dirty="0"/>
-              <a:t>주기억장치</a:t>
-            </a:r>
-            <a:r>
-              <a:rPr lang="en-US" altLang="ko-KR" dirty="0"/>
-              <a:t>)</a:t>
-            </a:r>
-          </a:p>
-        </p:txBody>
-      </p:sp>
-      <p:sp>
-        <p:nvSpPr>
-          <p:cNvPr id="8" name="직사각형 7">
-            <a:extLst>
-              <a:ext uri="{FF2B5EF4-FFF2-40B4-BE49-F238E27FC236}">
-                <a16:creationId xmlns:a16="http://schemas.microsoft.com/office/drawing/2014/main" id="{0346FC6B-3053-4A66-829B-293AAAF8F836}"/>
-              </a:ext>
-            </a:extLst>
-          </p:cNvPr>
-          <p:cNvSpPr/>
-          <p:nvPr/>
-        </p:nvSpPr>
-        <p:spPr>
-          <a:xfrm>
-            <a:off x="4262267" y="4600035"/>
-            <a:ext cx="1932960" cy="631530"/>
-          </a:xfrm>
-          <a:prstGeom prst="rect">
-            <a:avLst/>
-          </a:prstGeom>
-        </p:spPr>
-        <p:style>
-          <a:lnRef idx="2">
-            <a:schemeClr val="dk1">
-              <a:shade val="50000"/>
-            </a:schemeClr>
-          </a:lnRef>
-          <a:fillRef idx="1">
-            <a:schemeClr val="dk1"/>
-          </a:fillRef>
-          <a:effectRef idx="0">
-            <a:schemeClr val="dk1"/>
-          </a:effectRef>
-          <a:fontRef idx="minor">
-            <a:schemeClr val="lt1"/>
-          </a:fontRef>
-        </p:style>
-        <p:txBody>
-          <a:bodyPr rtlCol="0" anchor="ctr"/>
-          <a:lstStyle/>
-          <a:p>
-            <a:pPr algn="ctr"/>
-            <a:r>
-              <a:rPr lang="ko-KR" altLang="en-US" dirty="0"/>
-              <a:t>스토리지</a:t>
-            </a:r>
-            <a:endParaRPr lang="en-US" altLang="ko-KR" dirty="0"/>
-          </a:p>
-          <a:p>
-            <a:pPr algn="ctr"/>
-            <a:r>
-              <a:rPr lang="en-US" altLang="ko-KR" dirty="0"/>
-              <a:t>(</a:t>
-            </a:r>
-            <a:r>
-              <a:rPr lang="ko-KR" altLang="en-US" dirty="0"/>
-              <a:t>보조기억장치</a:t>
-            </a:r>
-            <a:r>
-              <a:rPr lang="en-US" altLang="ko-KR" dirty="0"/>
-              <a:t>)</a:t>
-            </a:r>
-          </a:p>
-        </p:txBody>
-      </p:sp>
-      <p:pic>
-        <p:nvPicPr>
-          <p:cNvPr id="4" name="그림 3">
-            <a:extLst>
-              <a:ext uri="{FF2B5EF4-FFF2-40B4-BE49-F238E27FC236}">
-                <a16:creationId xmlns:a16="http://schemas.microsoft.com/office/drawing/2014/main" id="{D5DC1B66-8C44-4A4C-8A16-29E126CCB722}"/>
-              </a:ext>
-            </a:extLst>
-          </p:cNvPr>
-          <p:cNvPicPr>
-            <a:picLocks noChangeAspect="1"/>
-          </p:cNvPicPr>
-          <p:nvPr/>
-        </p:nvPicPr>
-        <p:blipFill>
-          <a:blip r:embed="rId2"/>
-          <a:stretch>
-            <a:fillRect/>
-          </a:stretch>
-        </p:blipFill>
-        <p:spPr>
-          <a:xfrm>
-            <a:off x="6577631" y="2806506"/>
-            <a:ext cx="5522032" cy="633261"/>
-          </a:xfrm>
-          <a:prstGeom prst="rect">
-            <a:avLst/>
-          </a:prstGeom>
-        </p:spPr>
-      </p:pic>
-      <p:pic>
-        <p:nvPicPr>
-          <p:cNvPr id="10" name="그림 9">
-            <a:extLst>
-              <a:ext uri="{FF2B5EF4-FFF2-40B4-BE49-F238E27FC236}">
-                <a16:creationId xmlns:a16="http://schemas.microsoft.com/office/drawing/2014/main" id="{87266E16-0FEF-455F-8B68-F880E1802616}"/>
-              </a:ext>
-            </a:extLst>
-          </p:cNvPr>
-          <p:cNvPicPr>
-            <a:picLocks noChangeAspect="1"/>
-          </p:cNvPicPr>
-          <p:nvPr/>
-        </p:nvPicPr>
-        <p:blipFill>
-          <a:blip r:embed="rId3"/>
-          <a:stretch>
-            <a:fillRect/>
-          </a:stretch>
-        </p:blipFill>
-        <p:spPr>
-          <a:xfrm>
-            <a:off x="6577631" y="2002893"/>
-            <a:ext cx="5034422" cy="696587"/>
-          </a:xfrm>
-          <a:prstGeom prst="rect">
-            <a:avLst/>
-          </a:prstGeom>
-        </p:spPr>
-      </p:pic>
-    </p:spTree>
-    <p:extLst>
-      <p:ext uri="{BB962C8B-B14F-4D97-AF65-F5344CB8AC3E}">
-        <p14:creationId xmlns:p14="http://schemas.microsoft.com/office/powerpoint/2010/main" val="1761761775"/>
       </p:ext>
     </p:extLst>
   </p:cSld>

--- a/inflearn05/doc/5.인증과 접근제어 기능을 구현합니다..pptx
+++ b/inflearn05/doc/5.인증과 접근제어 기능을 구현합니다..pptx
@@ -643,7 +643,7 @@
                 <a:latin typeface="맑은 고딕" panose="020B0503020000020004" pitchFamily="50" charset="-127"/>
                 <a:ea typeface="맑은 고딕" panose="020B0503020000020004" pitchFamily="50" charset="-127"/>
               </a:rPr>
-              <a:t>2021년 7월 27일</a:t>
+              <a:t>2021년 8월 3일</a:t>
             </a:fld>
             <a:endParaRPr lang="ko-KR" altLang="en-US">
               <a:latin typeface="맑은 고딕" panose="020B0503020000020004" pitchFamily="50" charset="-127"/>
@@ -829,7 +829,7 @@
             <a:fld id="{BE16EC8A-0758-4FA9-BF4D-3119057076D1}" type="datetime4">
               <a:rPr lang="ko-KR" altLang="en-US" smtClean="0"/>
               <a:pPr/>
-              <a:t>2021년 7월 27일</a:t>
+              <a:t>2021년 8월 3일</a:t>
             </a:fld>
             <a:endParaRPr lang="ko-KR" altLang="en-US"/>
           </a:p>
@@ -3405,7 +3405,7 @@
           <a:p>
             <a:fld id="{2A5B65E4-62A8-4988-B07B-5D6D443B14ED}" type="datetime4">
               <a:rPr lang="ko-KR" altLang="en-US" smtClean="0"/>
-              <a:t>2021년 7월 27일</a:t>
+              <a:t>2021년 8월 3일</a:t>
             </a:fld>
             <a:endParaRPr lang="ko-KR" altLang="en-US"/>
           </a:p>
@@ -3661,7 +3661,7 @@
           <a:p>
             <a:fld id="{58EB6286-0DE7-4336-9826-977AD102FCF2}" type="datetime4">
               <a:rPr lang="ko-KR" altLang="en-US" noProof="0" smtClean="0"/>
-              <a:t>2021년 7월 27일</a:t>
+              <a:t>2021년 8월 3일</a:t>
             </a:fld>
             <a:endParaRPr lang="ko-KR" altLang="en-US" noProof="0"/>
           </a:p>
@@ -3857,7 +3857,7 @@
             <a:pPr rtl="0"/>
             <a:fld id="{6A5419DA-7218-42E5-A443-F000500111E1}" type="datetime4">
               <a:rPr lang="ko-KR" altLang="en-US" noProof="0" smtClean="0"/>
-              <a:t>2021년 7월 27일</a:t>
+              <a:t>2021년 8월 3일</a:t>
             </a:fld>
             <a:endParaRPr lang="ko-KR" altLang="en-US" noProof="0"/>
           </a:p>
@@ -6258,7 +6258,7 @@
           <a:p>
             <a:fld id="{E498C52F-1DF1-4226-BAB6-C1E2EE4C9D62}" type="datetime4">
               <a:rPr lang="ko-KR" altLang="en-US" noProof="0" smtClean="0"/>
-              <a:t>2021년 7월 27일</a:t>
+              <a:t>2021년 8월 3일</a:t>
             </a:fld>
             <a:endParaRPr lang="ko-KR" altLang="en-US" noProof="0"/>
           </a:p>
@@ -6777,7 +6777,7 @@
           <a:p>
             <a:fld id="{7B1E1FFC-F755-4558-8D3C-A157D1A01A8A}" type="datetime4">
               <a:rPr lang="ko-KR" altLang="en-US" noProof="0" smtClean="0"/>
-              <a:t>2021년 7월 27일</a:t>
+              <a:t>2021년 8월 3일</a:t>
             </a:fld>
             <a:endParaRPr lang="ko-KR" altLang="en-US" noProof="0"/>
           </a:p>
@@ -6921,7 +6921,7 @@
             <a:pPr rtl="0"/>
             <a:fld id="{DA2A33C0-A4A8-4C90-B6DA-35B8CF58C816}" type="datetime4">
               <a:rPr lang="ko-KR" altLang="en-US" noProof="0" smtClean="0"/>
-              <a:t>2021년 7월 27일</a:t>
+              <a:t>2021년 8월 3일</a:t>
             </a:fld>
             <a:endParaRPr lang="ko-KR" altLang="en-US" noProof="0"/>
           </a:p>
@@ -8869,7 +8869,7 @@
           <a:p>
             <a:fld id="{53CB1B8F-A14A-4BE4-A9B9-3B263F04145C}" type="datetime4">
               <a:rPr lang="ko-KR" altLang="en-US" noProof="0" smtClean="0"/>
-              <a:t>2021년 7월 27일</a:t>
+              <a:t>2021년 8월 3일</a:t>
             </a:fld>
             <a:endParaRPr lang="ko-KR" altLang="en-US" noProof="0"/>
           </a:p>
@@ -11166,7 +11166,7 @@
           <a:p>
             <a:fld id="{5B9196A3-957C-4113-A568-B6ED9AEA3D01}" type="datetime4">
               <a:rPr lang="ko-KR" altLang="en-US" noProof="0" smtClean="0"/>
-              <a:t>2021년 7월 27일</a:t>
+              <a:t>2021년 8월 3일</a:t>
             </a:fld>
             <a:endParaRPr lang="ko-KR" altLang="en-US" noProof="0"/>
           </a:p>
@@ -15483,7 +15483,7 @@
           <a:p>
             <a:fld id="{28BEB146-D335-4DA5-9826-58595BCDBE2E}" type="datetime4">
               <a:rPr lang="ko-KR" altLang="en-US" noProof="0" smtClean="0"/>
-              <a:t>2021년 7월 27일</a:t>
+              <a:t>2021년 8월 3일</a:t>
             </a:fld>
             <a:endParaRPr lang="ko-KR" altLang="en-US" noProof="0"/>
           </a:p>
@@ -16148,6 +16148,14 @@
               <a:rPr lang="ko-KR" altLang="en-US"/>
               <a:t>에서 제공하는 세션 기능 활용</a:t>
             </a:r>
+            <a:endParaRPr lang="en-US" altLang="ko-KR"/>
+          </a:p>
+          <a:p>
+            <a:pPr lvl="1"/>
+            <a:r>
+              <a:rPr lang="en-US" altLang="ko-KR"/>
+              <a:t>Login.java</a:t>
+            </a:r>
             <a:endParaRPr lang="en-US" altLang="ko-KR" dirty="0"/>
           </a:p>
           <a:p>
@@ -16242,33 +16250,18 @@
           <a:lstStyle/>
           <a:p>
             <a:r>
-              <a:rPr lang="ko-KR" altLang="en-US" dirty="0"/>
+              <a:rPr lang="ko-KR" altLang="en-US"/>
               <a:t>기밀성</a:t>
             </a:r>
             <a:r>
-              <a:rPr lang="en-US" altLang="ko-KR" dirty="0"/>
+              <a:rPr lang="en-US" altLang="ko-KR"/>
               <a:t>, </a:t>
             </a:r>
             <a:r>
-              <a:rPr lang="ko-KR" altLang="en-US" dirty="0"/>
-              <a:t>무결성</a:t>
+              <a:rPr lang="ko-KR" altLang="en-US"/>
+              <a:t>무결성 그리고 가용성</a:t>
             </a:r>
-            <a:r>
-              <a:rPr lang="en-US" altLang="ko-KR" dirty="0"/>
-              <a:t>, </a:t>
-            </a:r>
-            <a:r>
-              <a:rPr lang="ko-KR" altLang="en-US" dirty="0"/>
-              <a:t>가용성</a:t>
-            </a:r>
-            <a:r>
-              <a:rPr lang="en-US" altLang="ko-KR" dirty="0"/>
-              <a:t> </a:t>
-            </a:r>
-            <a:r>
-              <a:rPr lang="ko-KR" altLang="en-US" dirty="0"/>
-              <a:t>그리고 기술적 보안</a:t>
-            </a:r>
+            <a:endParaRPr lang="ko-KR" altLang="en-US" dirty="0"/>
           </a:p>
         </p:txBody>
       </p:sp>
@@ -16305,7 +16298,11 @@
             <a:pPr lvl="1"/>
             <a:r>
               <a:rPr lang="ko-KR" altLang="en-US" dirty="0"/>
-              <a:t>작업의 과정과 결과를 감추는 것</a:t>
+              <a:t>작업의 과정과 결과를 </a:t>
+            </a:r>
+            <a:r>
+              <a:rPr lang="ko-KR" altLang="en-US"/>
+              <a:t>감추는 것</a:t>
             </a:r>
             <a:endParaRPr lang="en-US" altLang="ko-KR" dirty="0"/>
           </a:p>
@@ -16421,33 +16418,42 @@
           <a:lstStyle/>
           <a:p>
             <a:r>
-              <a:rPr lang="ko-KR" altLang="en-US" dirty="0"/>
-              <a:t>기밀성</a:t>
+              <a:rPr lang="ko-KR" altLang="en-US"/>
+              <a:t>관물기</a:t>
             </a:r>
             <a:r>
-              <a:rPr lang="en-US" altLang="ko-KR" dirty="0"/>
+              <a:rPr lang="en-US" altLang="ko-KR"/>
+              <a:t>(</a:t>
+            </a:r>
+            <a:r>
+              <a:rPr lang="ko-KR" altLang="en-US"/>
+              <a:t>관리적</a:t>
+            </a:r>
+            <a:r>
+              <a:rPr lang="en-US" altLang="ko-KR"/>
               <a:t>, </a:t>
             </a:r>
             <a:r>
-              <a:rPr lang="ko-KR" altLang="en-US" dirty="0"/>
-              <a:t>무결성</a:t>
+              <a:rPr lang="ko-KR" altLang="en-US"/>
+              <a:t>물리적</a:t>
             </a:r>
             <a:r>
-              <a:rPr lang="en-US" altLang="ko-KR" dirty="0"/>
+              <a:rPr lang="en-US" altLang="ko-KR"/>
               <a:t>, </a:t>
             </a:r>
             <a:r>
-              <a:rPr lang="ko-KR" altLang="en-US" dirty="0"/>
-              <a:t>가용성</a:t>
+              <a:rPr lang="ko-KR" altLang="en-US"/>
+              <a:t>기술적</a:t>
             </a:r>
             <a:r>
-              <a:rPr lang="en-US" altLang="ko-KR" dirty="0"/>
-              <a:t> </a:t>
+              <a:rPr lang="en-US" altLang="ko-KR"/>
+              <a:t>) </a:t>
             </a:r>
             <a:r>
-              <a:rPr lang="ko-KR" altLang="en-US" dirty="0"/>
-              <a:t>그리고 기술적 보안</a:t>
+              <a:rPr lang="ko-KR" altLang="en-US"/>
+              <a:t>보안</a:t>
             </a:r>
+            <a:endParaRPr lang="ko-KR" altLang="en-US" dirty="0"/>
           </a:p>
         </p:txBody>
       </p:sp>
@@ -16695,12 +16701,24 @@
             <a:pPr lvl="1"/>
             <a:r>
               <a:rPr lang="ko-KR" altLang="en-US" dirty="0"/>
-              <a:t>시스템에 알려주는 것</a:t>
+              <a:t>시스템에 </a:t>
+            </a:r>
+            <a:r>
+              <a:rPr lang="ko-KR" altLang="en-US"/>
+              <a:t>알려주는 것</a:t>
+            </a:r>
+            <a:endParaRPr lang="en-US" altLang="ko-KR"/>
+          </a:p>
+          <a:p>
+            <a:pPr lvl="2"/>
+            <a:r>
+              <a:rPr lang="en-US" altLang="ko-KR"/>
+              <a:t>Login.java</a:t>
             </a:r>
             <a:endParaRPr lang="en-US" altLang="ko-KR" dirty="0"/>
           </a:p>
           <a:p>
-            <a:pPr lvl="2"/>
+            <a:pPr lvl="3"/>
             <a:r>
               <a:rPr lang="ko-KR" altLang="en-US" dirty="0" err="1"/>
               <a:t>브라우져</a:t>
@@ -16720,7 +16738,7 @@
             <a:endParaRPr lang="en-US" altLang="ko-KR" dirty="0"/>
           </a:p>
           <a:p>
-            <a:pPr lvl="2"/>
+            <a:pPr lvl="3"/>
             <a:r>
               <a:rPr lang="en-US" altLang="ko-KR" dirty="0"/>
               <a:t>WAS : </a:t>
